--- a/docs/diagrams/UndoRedoNewCommand4StateListDiagram.pptx
+++ b/docs/diagrams/UndoRedoNewCommand4StateListDiagram.pptx
@@ -265,7 +265,7 @@
           <a:p>
             <a:fld id="{03EC4E3E-8101-482F-A883-8B55DAFF7C07}" type="datetimeFigureOut">
               <a:rPr lang="en-SG" smtClean="0"/>
-              <a:t>30/6/2018</a:t>
+              <a:t>6/7/2018</a:t>
             </a:fld>
             <a:endParaRPr lang="en-SG"/>
           </a:p>
@@ -465,7 +465,7 @@
           <a:p>
             <a:fld id="{03EC4E3E-8101-482F-A883-8B55DAFF7C07}" type="datetimeFigureOut">
               <a:rPr lang="en-SG" smtClean="0"/>
-              <a:t>30/6/2018</a:t>
+              <a:t>6/7/2018</a:t>
             </a:fld>
             <a:endParaRPr lang="en-SG"/>
           </a:p>
@@ -675,7 +675,7 @@
           <a:p>
             <a:fld id="{03EC4E3E-8101-482F-A883-8B55DAFF7C07}" type="datetimeFigureOut">
               <a:rPr lang="en-SG" smtClean="0"/>
-              <a:t>30/6/2018</a:t>
+              <a:t>6/7/2018</a:t>
             </a:fld>
             <a:endParaRPr lang="en-SG"/>
           </a:p>
@@ -875,7 +875,7 @@
           <a:p>
             <a:fld id="{03EC4E3E-8101-482F-A883-8B55DAFF7C07}" type="datetimeFigureOut">
               <a:rPr lang="en-SG" smtClean="0"/>
-              <a:t>30/6/2018</a:t>
+              <a:t>6/7/2018</a:t>
             </a:fld>
             <a:endParaRPr lang="en-SG"/>
           </a:p>
@@ -1151,7 +1151,7 @@
           <a:p>
             <a:fld id="{03EC4E3E-8101-482F-A883-8B55DAFF7C07}" type="datetimeFigureOut">
               <a:rPr lang="en-SG" smtClean="0"/>
-              <a:t>30/6/2018</a:t>
+              <a:t>6/7/2018</a:t>
             </a:fld>
             <a:endParaRPr lang="en-SG"/>
           </a:p>
@@ -1419,7 +1419,7 @@
           <a:p>
             <a:fld id="{03EC4E3E-8101-482F-A883-8B55DAFF7C07}" type="datetimeFigureOut">
               <a:rPr lang="en-SG" smtClean="0"/>
-              <a:t>30/6/2018</a:t>
+              <a:t>6/7/2018</a:t>
             </a:fld>
             <a:endParaRPr lang="en-SG"/>
           </a:p>
@@ -1834,7 +1834,7 @@
           <a:p>
             <a:fld id="{03EC4E3E-8101-482F-A883-8B55DAFF7C07}" type="datetimeFigureOut">
               <a:rPr lang="en-SG" smtClean="0"/>
-              <a:t>30/6/2018</a:t>
+              <a:t>6/7/2018</a:t>
             </a:fld>
             <a:endParaRPr lang="en-SG"/>
           </a:p>
@@ -1976,7 +1976,7 @@
           <a:p>
             <a:fld id="{03EC4E3E-8101-482F-A883-8B55DAFF7C07}" type="datetimeFigureOut">
               <a:rPr lang="en-SG" smtClean="0"/>
-              <a:t>30/6/2018</a:t>
+              <a:t>6/7/2018</a:t>
             </a:fld>
             <a:endParaRPr lang="en-SG"/>
           </a:p>
@@ -2089,7 +2089,7 @@
           <a:p>
             <a:fld id="{03EC4E3E-8101-482F-A883-8B55DAFF7C07}" type="datetimeFigureOut">
               <a:rPr lang="en-SG" smtClean="0"/>
-              <a:t>30/6/2018</a:t>
+              <a:t>6/7/2018</a:t>
             </a:fld>
             <a:endParaRPr lang="en-SG"/>
           </a:p>
@@ -2402,7 +2402,7 @@
           <a:p>
             <a:fld id="{03EC4E3E-8101-482F-A883-8B55DAFF7C07}" type="datetimeFigureOut">
               <a:rPr lang="en-SG" smtClean="0"/>
-              <a:t>30/6/2018</a:t>
+              <a:t>6/7/2018</a:t>
             </a:fld>
             <a:endParaRPr lang="en-SG"/>
           </a:p>
@@ -2691,7 +2691,7 @@
           <a:p>
             <a:fld id="{03EC4E3E-8101-482F-A883-8B55DAFF7C07}" type="datetimeFigureOut">
               <a:rPr lang="en-SG" smtClean="0"/>
-              <a:t>30/6/2018</a:t>
+              <a:t>6/7/2018</a:t>
             </a:fld>
             <a:endParaRPr lang="en-SG"/>
           </a:p>
@@ -2934,7 +2934,7 @@
           <a:p>
             <a:fld id="{03EC4E3E-8101-482F-A883-8B55DAFF7C07}" type="datetimeFigureOut">
               <a:rPr lang="en-SG" smtClean="0"/>
-              <a:t>30/6/2018</a:t>
+              <a:t>6/7/2018</a:t>
             </a:fld>
             <a:endParaRPr lang="en-SG"/>
           </a:p>
@@ -3388,7 +3388,7 @@
           <a:p>
             <a:pPr algn="ctr"/>
             <a:r>
-              <a:rPr lang="en-SG" dirty="0" smtClean="0"/>
+              <a:rPr lang="en-SG" dirty="0"/>
               <a:t>clear</a:t>
             </a:r>
             <a:endParaRPr lang="en-US" dirty="0"/>
@@ -3450,14 +3450,13 @@
           <a:p>
             <a:pPr algn="ctr"/>
             <a:r>
-              <a:rPr lang="en-SG" smtClean="0"/>
+              <a:rPr lang="en-SG"/>
               <a:t>State ab2 </a:t>
             </a:r>
             <a:r>
-              <a:rPr lang="en-SG" dirty="0" smtClean="0"/>
+              <a:rPr lang="en-SG" dirty="0"/>
               <a:t>deleted.</a:t>
             </a:r>
-            <a:endParaRPr lang="en-SG" dirty="0"/>
           </a:p>
         </p:txBody>
       </p:sp>
@@ -3491,60 +3490,17 @@
           <a:p>
             <a:pPr algn="ctr"/>
             <a:r>
-              <a:rPr lang="en-SG" dirty="0" err="1" smtClean="0">
+              <a:rPr lang="en-SG" dirty="0" err="1">
                 <a:latin typeface="Consolas" panose="020B0609020204030204" pitchFamily="49" charset="0"/>
               </a:rPr>
               <a:t>currentStatePointer</a:t>
             </a:r>
             <a:r>
-              <a:rPr lang="en-SG" dirty="0" smtClean="0">
+              <a:rPr lang="en-SG" dirty="0">
                 <a:latin typeface="Consolas" panose="020B0609020204030204" pitchFamily="49" charset="0"/>
               </a:rPr>
               <a:t> = 1</a:t>
             </a:r>
-            <a:endParaRPr lang="en-SG" dirty="0">
-              <a:latin typeface="Consolas" panose="020B0609020204030204" pitchFamily="49" charset="0"/>
-            </a:endParaRPr>
-          </a:p>
-        </p:txBody>
-      </p:sp>
-      <p:sp>
-        <p:nvSpPr>
-          <p:cNvPr id="20" name="Up Arrow 19"/>
-          <p:cNvSpPr/>
-          <p:nvPr/>
-        </p:nvSpPr>
-        <p:spPr>
-          <a:xfrm>
-            <a:off x="3317788" y="2022713"/>
-            <a:ext cx="234009" cy="804421"/>
-          </a:xfrm>
-          <a:prstGeom prst="upArrow">
-            <a:avLst/>
-          </a:prstGeom>
-        </p:spPr>
-        <p:style>
-          <a:lnRef idx="2">
-            <a:schemeClr val="accent1">
-              <a:shade val="50000"/>
-            </a:schemeClr>
-          </a:lnRef>
-          <a:fillRef idx="1">
-            <a:schemeClr val="accent1"/>
-          </a:fillRef>
-          <a:effectRef idx="0">
-            <a:schemeClr val="accent1"/>
-          </a:effectRef>
-          <a:fontRef idx="minor">
-            <a:schemeClr val="lt1"/>
-          </a:fontRef>
-        </p:style>
-        <p:txBody>
-          <a:bodyPr rtlCol="0" anchor="ctr"/>
-          <a:lstStyle/>
-          <a:p>
-            <a:pPr algn="ctr"/>
-            <a:endParaRPr lang="en-US"/>
           </a:p>
         </p:txBody>
       </p:sp>
@@ -3608,7 +3564,7 @@
         </p:nvSpPr>
         <p:spPr>
           <a:xfrm>
-            <a:off x="3960986" y="5245580"/>
+            <a:off x="3952597" y="5155963"/>
             <a:ext cx="3207000" cy="369332"/>
           </a:xfrm>
           <a:prstGeom prst="rect">
@@ -3624,60 +3580,17 @@
           <a:p>
             <a:pPr algn="ctr"/>
             <a:r>
-              <a:rPr lang="en-SG" dirty="0" err="1" smtClean="0">
+              <a:rPr lang="en-SG" dirty="0" err="1">
                 <a:latin typeface="Consolas" panose="020B0609020204030204" pitchFamily="49" charset="0"/>
               </a:rPr>
               <a:t>currentStatePointer</a:t>
             </a:r>
             <a:r>
-              <a:rPr lang="en-SG" dirty="0" smtClean="0">
+              <a:rPr lang="en-SG" dirty="0">
                 <a:latin typeface="Consolas" panose="020B0609020204030204" pitchFamily="49" charset="0"/>
               </a:rPr>
               <a:t> = 2</a:t>
             </a:r>
-            <a:endParaRPr lang="en-SG" dirty="0">
-              <a:latin typeface="Consolas" panose="020B0609020204030204" pitchFamily="49" charset="0"/>
-            </a:endParaRPr>
-          </a:p>
-        </p:txBody>
-      </p:sp>
-      <p:sp>
-        <p:nvSpPr>
-          <p:cNvPr id="24" name="Up Arrow 23"/>
-          <p:cNvSpPr/>
-          <p:nvPr/>
-        </p:nvSpPr>
-        <p:spPr>
-          <a:xfrm>
-            <a:off x="5303455" y="4432491"/>
-            <a:ext cx="261031" cy="798758"/>
-          </a:xfrm>
-          <a:prstGeom prst="upArrow">
-            <a:avLst/>
-          </a:prstGeom>
-        </p:spPr>
-        <p:style>
-          <a:lnRef idx="2">
-            <a:schemeClr val="accent1">
-              <a:shade val="50000"/>
-            </a:schemeClr>
-          </a:lnRef>
-          <a:fillRef idx="1">
-            <a:schemeClr val="accent1"/>
-          </a:fillRef>
-          <a:effectRef idx="0">
-            <a:schemeClr val="accent1"/>
-          </a:effectRef>
-          <a:fontRef idx="minor">
-            <a:schemeClr val="lt1"/>
-          </a:fontRef>
-        </p:style>
-        <p:txBody>
-          <a:bodyPr rtlCol="0" anchor="ctr"/>
-          <a:lstStyle/>
-          <a:p>
-            <a:pPr algn="ctr"/>
-            <a:endParaRPr lang="en-US"/>
           </a:p>
         </p:txBody>
       </p:sp>
@@ -3773,11 +3686,11 @@
                     <a:lstStyle/>
                     <a:p>
                       <a:r>
-                        <a:rPr lang="en-SG" u="sng" dirty="0" smtClean="0"/>
+                        <a:rPr lang="en-SG" u="sng" dirty="0"/>
                         <a:t>ab0:</a:t>
                       </a:r>
                       <a:r>
-                        <a:rPr lang="en-SG" sz="1800" u="sng" dirty="0" smtClean="0"/>
+                        <a:rPr lang="en-SG" sz="1800" u="sng" dirty="0"/>
                         <a:t>AddressBook</a:t>
                       </a:r>
                       <a:endParaRPr lang="en-SG" u="sng" dirty="0"/>
@@ -3841,11 +3754,11 @@
                     <a:lstStyle/>
                     <a:p>
                       <a:r>
-                        <a:rPr lang="en-SG" u="sng" dirty="0" smtClean="0"/>
+                        <a:rPr lang="en-SG" u="sng" dirty="0"/>
                         <a:t>ab1:</a:t>
                       </a:r>
                       <a:r>
-                        <a:rPr lang="en-SG" sz="1800" u="sng" dirty="0" smtClean="0"/>
+                        <a:rPr lang="en-SG" sz="1800" u="sng" dirty="0"/>
                         <a:t>AddressBook</a:t>
                       </a:r>
                       <a:endParaRPr lang="en-SG" u="sng" dirty="0"/>
@@ -3909,11 +3822,11 @@
                     <a:lstStyle/>
                     <a:p>
                       <a:r>
-                        <a:rPr lang="en-SG" u="sng" dirty="0" smtClean="0"/>
+                        <a:rPr lang="en-SG" u="sng" dirty="0"/>
                         <a:t>ab2:</a:t>
                       </a:r>
                       <a:r>
-                        <a:rPr lang="en-SG" sz="1800" u="sng" dirty="0" smtClean="0"/>
+                        <a:rPr lang="en-SG" sz="1800" u="sng" dirty="0"/>
                         <a:t>AddressBook</a:t>
                       </a:r>
                       <a:endParaRPr lang="en-SG" u="sng" dirty="0"/>
@@ -3977,11 +3890,11 @@
                     <a:lstStyle/>
                     <a:p>
                       <a:r>
-                        <a:rPr lang="en-SG" u="sng" dirty="0" smtClean="0"/>
+                        <a:rPr lang="en-SG" u="sng" dirty="0"/>
                         <a:t>ab0:</a:t>
                       </a:r>
                       <a:r>
-                        <a:rPr lang="en-SG" sz="1800" u="sng" dirty="0" smtClean="0"/>
+                        <a:rPr lang="en-SG" sz="1800" u="sng" dirty="0"/>
                         <a:t>AddressBook</a:t>
                       </a:r>
                       <a:endParaRPr lang="en-SG" u="sng" dirty="0"/>
@@ -4045,11 +3958,11 @@
                     <a:lstStyle/>
                     <a:p>
                       <a:r>
-                        <a:rPr lang="en-SG" u="sng" dirty="0" smtClean="0"/>
+                        <a:rPr lang="en-SG" u="sng" dirty="0"/>
                         <a:t>ab1:</a:t>
                       </a:r>
                       <a:r>
-                        <a:rPr lang="en-SG" sz="1800" u="sng" dirty="0" smtClean="0"/>
+                        <a:rPr lang="en-SG" sz="1800" u="sng" dirty="0"/>
                         <a:t>AddressBook</a:t>
                       </a:r>
                       <a:endParaRPr lang="en-SG" u="sng" dirty="0"/>
@@ -4113,11 +4026,11 @@
                     <a:lstStyle/>
                     <a:p>
                       <a:r>
-                        <a:rPr lang="en-SG" u="sng" dirty="0" smtClean="0"/>
+                        <a:rPr lang="en-SG" u="sng" dirty="0"/>
                         <a:t>ab3:</a:t>
                       </a:r>
                       <a:r>
-                        <a:rPr lang="en-SG" sz="1800" u="sng" dirty="0" smtClean="0"/>
+                        <a:rPr lang="en-SG" sz="1800" u="sng" dirty="0"/>
                         <a:t>AddressBook</a:t>
                       </a:r>
                       <a:endParaRPr lang="en-SG" u="sng" dirty="0"/>
@@ -4135,6 +4048,94 @@
           </a:graphicData>
         </a:graphic>
       </p:graphicFrame>
+      <p:cxnSp>
+        <p:nvCxnSpPr>
+          <p:cNvPr id="18" name="Straight Arrow Connector 17">
+            <a:extLst>
+              <a:ext uri="{FF2B5EF4-FFF2-40B4-BE49-F238E27FC236}">
+                <a16:creationId xmlns:a16="http://schemas.microsoft.com/office/drawing/2014/main" id="{BFC3A12D-3AD3-425B-8A3B-315B6DC01D05}"/>
+              </a:ext>
+            </a:extLst>
+          </p:cNvPr>
+          <p:cNvCxnSpPr>
+            <a:cxnSpLocks/>
+          </p:cNvCxnSpPr>
+          <p:nvPr/>
+        </p:nvCxnSpPr>
+        <p:spPr>
+          <a:xfrm flipV="1">
+            <a:off x="3338818" y="2038898"/>
+            <a:ext cx="0" cy="706873"/>
+          </a:xfrm>
+          <a:prstGeom prst="straightConnector1">
+            <a:avLst/>
+          </a:prstGeom>
+          <a:ln>
+            <a:solidFill>
+              <a:srgbClr val="C00000"/>
+            </a:solidFill>
+            <a:tailEnd type="triangle"/>
+          </a:ln>
+        </p:spPr>
+        <p:style>
+          <a:lnRef idx="1">
+            <a:schemeClr val="accent1"/>
+          </a:lnRef>
+          <a:fillRef idx="0">
+            <a:schemeClr val="accent1"/>
+          </a:fillRef>
+          <a:effectRef idx="0">
+            <a:schemeClr val="accent1"/>
+          </a:effectRef>
+          <a:fontRef idx="minor">
+            <a:schemeClr val="tx1"/>
+          </a:fontRef>
+        </p:style>
+      </p:cxnSp>
+      <p:cxnSp>
+        <p:nvCxnSpPr>
+          <p:cNvPr id="19" name="Straight Arrow Connector 18">
+            <a:extLst>
+              <a:ext uri="{FF2B5EF4-FFF2-40B4-BE49-F238E27FC236}">
+                <a16:creationId xmlns:a16="http://schemas.microsoft.com/office/drawing/2014/main" id="{A3B5C47A-9640-4A49-B463-8F5196CF2A09}"/>
+              </a:ext>
+            </a:extLst>
+          </p:cNvPr>
+          <p:cNvCxnSpPr>
+            <a:cxnSpLocks/>
+          </p:cNvCxnSpPr>
+          <p:nvPr/>
+        </p:nvCxnSpPr>
+        <p:spPr>
+          <a:xfrm flipV="1">
+            <a:off x="5385732" y="4471595"/>
+            <a:ext cx="0" cy="706873"/>
+          </a:xfrm>
+          <a:prstGeom prst="straightConnector1">
+            <a:avLst/>
+          </a:prstGeom>
+          <a:ln>
+            <a:solidFill>
+              <a:srgbClr val="C00000"/>
+            </a:solidFill>
+            <a:tailEnd type="triangle"/>
+          </a:ln>
+        </p:spPr>
+        <p:style>
+          <a:lnRef idx="1">
+            <a:schemeClr val="accent1"/>
+          </a:lnRef>
+          <a:fillRef idx="0">
+            <a:schemeClr val="accent1"/>
+          </a:fillRef>
+          <a:effectRef idx="0">
+            <a:schemeClr val="accent1"/>
+          </a:effectRef>
+          <a:fontRef idx="minor">
+            <a:schemeClr val="tx1"/>
+          </a:fontRef>
+        </p:style>
+      </p:cxnSp>
     </p:spTree>
     <p:extLst>
       <p:ext uri="{BB962C8B-B14F-4D97-AF65-F5344CB8AC3E}">

--- a/docs/diagrams/UndoRedoNewCommand4StateListDiagram.pptx
+++ b/docs/diagrams/UndoRedoNewCommand4StateListDiagram.pptx
@@ -112,10 +112,6 @@
 </p:presentation>
 </file>
 
-<file path=ppt/revisionInfo.xml><?xml version="1.0" encoding="utf-8"?>
-<p1510:revInfo xmlns:a="http://schemas.openxmlformats.org/drawingml/2006/main" xmlns:r="http://schemas.openxmlformats.org/officeDocument/2006/relationships" xmlns:p1510="http://schemas.microsoft.com/office/powerpoint/2015/10/main"/>
-</file>
-
 <file path=ppt/slideLayouts/slideLayout1.xml><?xml version="1.0" encoding="utf-8"?>
 <p:sldLayout xmlns:a="http://schemas.openxmlformats.org/drawingml/2006/main" xmlns:r="http://schemas.openxmlformats.org/officeDocument/2006/relationships" xmlns:p="http://schemas.openxmlformats.org/presentationml/2006/main" type="title" preserve="1">
   <p:cSld name="Title Slide">
@@ -265,7 +261,7 @@
           <a:p>
             <a:fld id="{03EC4E3E-8101-482F-A883-8B55DAFF7C07}" type="datetimeFigureOut">
               <a:rPr lang="en-SG" smtClean="0"/>
-              <a:t>6/7/2018</a:t>
+              <a:t>11/4/2019</a:t>
             </a:fld>
             <a:endParaRPr lang="en-SG"/>
           </a:p>
@@ -465,7 +461,7 @@
           <a:p>
             <a:fld id="{03EC4E3E-8101-482F-A883-8B55DAFF7C07}" type="datetimeFigureOut">
               <a:rPr lang="en-SG" smtClean="0"/>
-              <a:t>6/7/2018</a:t>
+              <a:t>11/4/2019</a:t>
             </a:fld>
             <a:endParaRPr lang="en-SG"/>
           </a:p>
@@ -675,7 +671,7 @@
           <a:p>
             <a:fld id="{03EC4E3E-8101-482F-A883-8B55DAFF7C07}" type="datetimeFigureOut">
               <a:rPr lang="en-SG" smtClean="0"/>
-              <a:t>6/7/2018</a:t>
+              <a:t>11/4/2019</a:t>
             </a:fld>
             <a:endParaRPr lang="en-SG"/>
           </a:p>
@@ -875,7 +871,7 @@
           <a:p>
             <a:fld id="{03EC4E3E-8101-482F-A883-8B55DAFF7C07}" type="datetimeFigureOut">
               <a:rPr lang="en-SG" smtClean="0"/>
-              <a:t>6/7/2018</a:t>
+              <a:t>11/4/2019</a:t>
             </a:fld>
             <a:endParaRPr lang="en-SG"/>
           </a:p>
@@ -1151,7 +1147,7 @@
           <a:p>
             <a:fld id="{03EC4E3E-8101-482F-A883-8B55DAFF7C07}" type="datetimeFigureOut">
               <a:rPr lang="en-SG" smtClean="0"/>
-              <a:t>6/7/2018</a:t>
+              <a:t>11/4/2019</a:t>
             </a:fld>
             <a:endParaRPr lang="en-SG"/>
           </a:p>
@@ -1419,7 +1415,7 @@
           <a:p>
             <a:fld id="{03EC4E3E-8101-482F-A883-8B55DAFF7C07}" type="datetimeFigureOut">
               <a:rPr lang="en-SG" smtClean="0"/>
-              <a:t>6/7/2018</a:t>
+              <a:t>11/4/2019</a:t>
             </a:fld>
             <a:endParaRPr lang="en-SG"/>
           </a:p>
@@ -1834,7 +1830,7 @@
           <a:p>
             <a:fld id="{03EC4E3E-8101-482F-A883-8B55DAFF7C07}" type="datetimeFigureOut">
               <a:rPr lang="en-SG" smtClean="0"/>
-              <a:t>6/7/2018</a:t>
+              <a:t>11/4/2019</a:t>
             </a:fld>
             <a:endParaRPr lang="en-SG"/>
           </a:p>
@@ -1976,7 +1972,7 @@
           <a:p>
             <a:fld id="{03EC4E3E-8101-482F-A883-8B55DAFF7C07}" type="datetimeFigureOut">
               <a:rPr lang="en-SG" smtClean="0"/>
-              <a:t>6/7/2018</a:t>
+              <a:t>11/4/2019</a:t>
             </a:fld>
             <a:endParaRPr lang="en-SG"/>
           </a:p>
@@ -2089,7 +2085,7 @@
           <a:p>
             <a:fld id="{03EC4E3E-8101-482F-A883-8B55DAFF7C07}" type="datetimeFigureOut">
               <a:rPr lang="en-SG" smtClean="0"/>
-              <a:t>6/7/2018</a:t>
+              <a:t>11/4/2019</a:t>
             </a:fld>
             <a:endParaRPr lang="en-SG"/>
           </a:p>
@@ -2402,7 +2398,7 @@
           <a:p>
             <a:fld id="{03EC4E3E-8101-482F-A883-8B55DAFF7C07}" type="datetimeFigureOut">
               <a:rPr lang="en-SG" smtClean="0"/>
-              <a:t>6/7/2018</a:t>
+              <a:t>11/4/2019</a:t>
             </a:fld>
             <a:endParaRPr lang="en-SG"/>
           </a:p>
@@ -2691,7 +2687,7 @@
           <a:p>
             <a:fld id="{03EC4E3E-8101-482F-A883-8B55DAFF7C07}" type="datetimeFigureOut">
               <a:rPr lang="en-SG" smtClean="0"/>
-              <a:t>6/7/2018</a:t>
+              <a:t>11/4/2019</a:t>
             </a:fld>
             <a:endParaRPr lang="en-SG"/>
           </a:p>
@@ -2934,7 +2930,7 @@
           <a:p>
             <a:fld id="{03EC4E3E-8101-482F-A883-8B55DAFF7C07}" type="datetimeFigureOut">
               <a:rPr lang="en-SG" smtClean="0"/>
-              <a:t>6/7/2018</a:t>
+              <a:t>11/4/2019</a:t>
             </a:fld>
             <a:endParaRPr lang="en-SG"/>
           </a:p>
@@ -3450,12 +3446,8 @@
           <a:p>
             <a:pPr algn="ctr"/>
             <a:r>
-              <a:rPr lang="en-SG"/>
-              <a:t>State ab2 </a:t>
-            </a:r>
-            <a:r>
               <a:rPr lang="en-SG" dirty="0"/>
-              <a:t>deleted.</a:t>
+              <a:t>State cl2 deleted.</a:t>
             </a:r>
           </a:p>
         </p:txBody>
@@ -3655,7 +3647,7 @@
           <p:nvPr>
             <p:extLst>
               <p:ext uri="{D42A27DB-BD31-4B8C-83A1-F6EECF244321}">
-                <p14:modId xmlns:p14="http://schemas.microsoft.com/office/powerpoint/2010/main" val="1352982134"/>
+                <p14:modId xmlns:p14="http://schemas.microsoft.com/office/powerpoint/2010/main" val="3106117348"/>
               </p:ext>
             </p:extLst>
           </p:nvPr>
@@ -3685,13 +3677,14 @@
                     <a:bodyPr/>
                     <a:lstStyle/>
                     <a:p>
+                      <a:pPr algn="ctr"/>
                       <a:r>
                         <a:rPr lang="en-SG" u="sng" dirty="0"/>
-                        <a:t>ab0:</a:t>
+                        <a:t>cl0:</a:t>
                       </a:r>
                       <a:r>
                         <a:rPr lang="en-SG" sz="1800" u="sng" dirty="0"/>
-                        <a:t>AddressBook</a:t>
+                        <a:t>ContactList</a:t>
                       </a:r>
                       <a:endParaRPr lang="en-SG" u="sng" dirty="0"/>
                     </a:p>
@@ -3723,7 +3716,7 @@
           <p:nvPr>
             <p:extLst>
               <p:ext uri="{D42A27DB-BD31-4B8C-83A1-F6EECF244321}">
-                <p14:modId xmlns:p14="http://schemas.microsoft.com/office/powerpoint/2010/main" val="829193732"/>
+                <p14:modId xmlns:p14="http://schemas.microsoft.com/office/powerpoint/2010/main" val="3819679386"/>
               </p:ext>
             </p:extLst>
           </p:nvPr>
@@ -3753,13 +3746,14 @@
                     <a:bodyPr/>
                     <a:lstStyle/>
                     <a:p>
+                      <a:pPr algn="ctr"/>
                       <a:r>
                         <a:rPr lang="en-SG" u="sng" dirty="0"/>
-                        <a:t>ab1:</a:t>
+                        <a:t>cl1:</a:t>
                       </a:r>
                       <a:r>
                         <a:rPr lang="en-SG" sz="1800" u="sng" dirty="0"/>
-                        <a:t>AddressBook</a:t>
+                        <a:t>ContactList</a:t>
                       </a:r>
                       <a:endParaRPr lang="en-SG" u="sng" dirty="0"/>
                     </a:p>
@@ -3791,7 +3785,7 @@
           <p:nvPr>
             <p:extLst>
               <p:ext uri="{D42A27DB-BD31-4B8C-83A1-F6EECF244321}">
-                <p14:modId xmlns:p14="http://schemas.microsoft.com/office/powerpoint/2010/main" val="796708048"/>
+                <p14:modId xmlns:p14="http://schemas.microsoft.com/office/powerpoint/2010/main" val="488773235"/>
               </p:ext>
             </p:extLst>
           </p:nvPr>
@@ -3821,13 +3815,14 @@
                     <a:bodyPr/>
                     <a:lstStyle/>
                     <a:p>
+                      <a:pPr algn="ctr"/>
                       <a:r>
                         <a:rPr lang="en-SG" u="sng" dirty="0"/>
-                        <a:t>ab2:</a:t>
+                        <a:t>cl2:</a:t>
                       </a:r>
                       <a:r>
                         <a:rPr lang="en-SG" sz="1800" u="sng" dirty="0"/>
-                        <a:t>AddressBook</a:t>
+                        <a:t>ContactList</a:t>
                       </a:r>
                       <a:endParaRPr lang="en-SG" u="sng" dirty="0"/>
                     </a:p>
@@ -3859,7 +3854,7 @@
           <p:nvPr>
             <p:extLst>
               <p:ext uri="{D42A27DB-BD31-4B8C-83A1-F6EECF244321}">
-                <p14:modId xmlns:p14="http://schemas.microsoft.com/office/powerpoint/2010/main" val="377617300"/>
+                <p14:modId xmlns:p14="http://schemas.microsoft.com/office/powerpoint/2010/main" val="3037875421"/>
               </p:ext>
             </p:extLst>
           </p:nvPr>
@@ -3889,13 +3884,14 @@
                     <a:bodyPr/>
                     <a:lstStyle/>
                     <a:p>
+                      <a:pPr algn="ctr"/>
                       <a:r>
                         <a:rPr lang="en-SG" u="sng" dirty="0"/>
-                        <a:t>ab0:</a:t>
+                        <a:t>cl0:</a:t>
                       </a:r>
                       <a:r>
                         <a:rPr lang="en-SG" sz="1800" u="sng" dirty="0"/>
-                        <a:t>AddressBook</a:t>
+                        <a:t>ContactList</a:t>
                       </a:r>
                       <a:endParaRPr lang="en-SG" u="sng" dirty="0"/>
                     </a:p>
@@ -3927,7 +3923,7 @@
           <p:nvPr>
             <p:extLst>
               <p:ext uri="{D42A27DB-BD31-4B8C-83A1-F6EECF244321}">
-                <p14:modId xmlns:p14="http://schemas.microsoft.com/office/powerpoint/2010/main" val="4076322253"/>
+                <p14:modId xmlns:p14="http://schemas.microsoft.com/office/powerpoint/2010/main" val="3639557219"/>
               </p:ext>
             </p:extLst>
           </p:nvPr>
@@ -3957,13 +3953,14 @@
                     <a:bodyPr/>
                     <a:lstStyle/>
                     <a:p>
+                      <a:pPr algn="ctr"/>
                       <a:r>
                         <a:rPr lang="en-SG" u="sng" dirty="0"/>
-                        <a:t>ab1:</a:t>
+                        <a:t>cl1:</a:t>
                       </a:r>
                       <a:r>
                         <a:rPr lang="en-SG" sz="1800" u="sng" dirty="0"/>
-                        <a:t>AddressBook</a:t>
+                        <a:t>ContactList</a:t>
                       </a:r>
                       <a:endParaRPr lang="en-SG" u="sng" dirty="0"/>
                     </a:p>
@@ -3995,7 +3992,7 @@
           <p:nvPr>
             <p:extLst>
               <p:ext uri="{D42A27DB-BD31-4B8C-83A1-F6EECF244321}">
-                <p14:modId xmlns:p14="http://schemas.microsoft.com/office/powerpoint/2010/main" val="53411958"/>
+                <p14:modId xmlns:p14="http://schemas.microsoft.com/office/powerpoint/2010/main" val="3715128737"/>
               </p:ext>
             </p:extLst>
           </p:nvPr>
@@ -4025,13 +4022,14 @@
                     <a:bodyPr/>
                     <a:lstStyle/>
                     <a:p>
+                      <a:pPr algn="ctr"/>
                       <a:r>
                         <a:rPr lang="en-SG" u="sng" dirty="0"/>
-                        <a:t>ab3:</a:t>
+                        <a:t>cl3:</a:t>
                       </a:r>
                       <a:r>
                         <a:rPr lang="en-SG" sz="1800" u="sng" dirty="0"/>
-                        <a:t>AddressBook</a:t>
+                        <a:t>ContactList</a:t>
                       </a:r>
                       <a:endParaRPr lang="en-SG" u="sng" dirty="0"/>
                     </a:p>
